--- a/Human Trafficking.pptx
+++ b/Human Trafficking.pptx
@@ -112,6 +112,11 @@
       </a:defRPr>
     </a:lvl9pPr>
   </p:defaultTextStyle>
+  <p:extLst>
+    <p:ext uri="{EFAFB233-063F-42B5-8137-9DF3F51BA10A}">
+      <p15:sldGuideLst xmlns:p15="http://schemas.microsoft.com/office/powerpoint/2012/main"/>
+    </p:ext>
+  </p:extLst>
 </p:presentation>
 </file>
 
@@ -262,7 +267,7 @@
           <a:p>
             <a:fld id="{009A9CA7-A48D-4D24-B9F1-DED4F0065A6C}" type="datetimeFigureOut">
               <a:rPr lang="en-US" smtClean="0"/>
-              <a:t>10/20/2020</a:t>
+              <a:t>10/21/2020</a:t>
             </a:fld>
             <a:endParaRPr lang="en-US"/>
           </a:p>
@@ -550,7 +555,7 @@
           <a:p>
             <a:fld id="{009A9CA7-A48D-4D24-B9F1-DED4F0065A6C}" type="datetimeFigureOut">
               <a:rPr lang="en-US" smtClean="0"/>
-              <a:t>10/20/2020</a:t>
+              <a:t>10/21/2020</a:t>
             </a:fld>
             <a:endParaRPr lang="en-US"/>
           </a:p>
@@ -748,7 +753,7 @@
           <a:p>
             <a:fld id="{009A9CA7-A48D-4D24-B9F1-DED4F0065A6C}" type="datetimeFigureOut">
               <a:rPr lang="en-US" smtClean="0"/>
-              <a:t>10/20/2020</a:t>
+              <a:t>10/21/2020</a:t>
             </a:fld>
             <a:endParaRPr lang="en-US"/>
           </a:p>
@@ -956,7 +961,7 @@
           <a:p>
             <a:fld id="{009A9CA7-A48D-4D24-B9F1-DED4F0065A6C}" type="datetimeFigureOut">
               <a:rPr lang="en-US" smtClean="0"/>
-              <a:t>10/20/2020</a:t>
+              <a:t>10/21/2020</a:t>
             </a:fld>
             <a:endParaRPr lang="en-US"/>
           </a:p>
@@ -1154,7 +1159,7 @@
           <a:p>
             <a:fld id="{009A9CA7-A48D-4D24-B9F1-DED4F0065A6C}" type="datetimeFigureOut">
               <a:rPr lang="en-US" smtClean="0"/>
-              <a:t>10/20/2020</a:t>
+              <a:t>10/21/2020</a:t>
             </a:fld>
             <a:endParaRPr lang="en-US"/>
           </a:p>
@@ -1429,7 +1434,7 @@
           <a:p>
             <a:fld id="{009A9CA7-A48D-4D24-B9F1-DED4F0065A6C}" type="datetimeFigureOut">
               <a:rPr lang="en-US" smtClean="0"/>
-              <a:t>10/20/2020</a:t>
+              <a:t>10/21/2020</a:t>
             </a:fld>
             <a:endParaRPr lang="en-US"/>
           </a:p>
@@ -1694,7 +1699,7 @@
           <a:p>
             <a:fld id="{009A9CA7-A48D-4D24-B9F1-DED4F0065A6C}" type="datetimeFigureOut">
               <a:rPr lang="en-US" smtClean="0"/>
-              <a:t>10/20/2020</a:t>
+              <a:t>10/21/2020</a:t>
             </a:fld>
             <a:endParaRPr lang="en-US"/>
           </a:p>
@@ -2106,7 +2111,7 @@
           <a:p>
             <a:fld id="{009A9CA7-A48D-4D24-B9F1-DED4F0065A6C}" type="datetimeFigureOut">
               <a:rPr lang="en-US" smtClean="0"/>
-              <a:t>10/20/2020</a:t>
+              <a:t>10/21/2020</a:t>
             </a:fld>
             <a:endParaRPr lang="en-US"/>
           </a:p>
@@ -2250,7 +2255,7 @@
           <a:p>
             <a:fld id="{009A9CA7-A48D-4D24-B9F1-DED4F0065A6C}" type="datetimeFigureOut">
               <a:rPr lang="en-US" smtClean="0"/>
-              <a:t>10/20/2020</a:t>
+              <a:t>10/21/2020</a:t>
             </a:fld>
             <a:endParaRPr lang="en-US"/>
           </a:p>
@@ -2397,7 +2402,7 @@
           <a:p>
             <a:fld id="{009A9CA7-A48D-4D24-B9F1-DED4F0065A6C}" type="datetimeFigureOut">
               <a:rPr lang="en-US" smtClean="0"/>
-              <a:t>10/20/2020</a:t>
+              <a:t>10/21/2020</a:t>
             </a:fld>
             <a:endParaRPr lang="en-US"/>
           </a:p>
@@ -2549,7 +2554,7 @@
           <a:p>
             <a:fld id="{009A9CA7-A48D-4D24-B9F1-DED4F0065A6C}" type="datetimeFigureOut">
               <a:rPr lang="en-US" smtClean="0"/>
-              <a:t>10/20/2020</a:t>
+              <a:t>10/21/2020</a:t>
             </a:fld>
             <a:endParaRPr lang="en-US"/>
           </a:p>
@@ -2860,7 +2865,7 @@
           <a:p>
             <a:fld id="{009A9CA7-A48D-4D24-B9F1-DED4F0065A6C}" type="datetimeFigureOut">
               <a:rPr lang="en-US" smtClean="0"/>
-              <a:t>10/20/2020</a:t>
+              <a:t>10/21/2020</a:t>
             </a:fld>
             <a:endParaRPr lang="en-US"/>
           </a:p>
@@ -3111,7 +3116,7 @@
           <a:p>
             <a:fld id="{009A9CA7-A48D-4D24-B9F1-DED4F0065A6C}" type="datetimeFigureOut">
               <a:rPr lang="en-US" smtClean="0"/>
-              <a:t>10/20/2020</a:t>
+              <a:t>10/21/2020</a:t>
             </a:fld>
             <a:endParaRPr lang="en-US"/>
           </a:p>
@@ -4629,41 +4634,6 @@
       </p:sp>
       <p:sp>
         <p:nvSpPr>
-          <p:cNvPr id="6" name="TextBox 5">
-            <a:extLst>
-              <a:ext uri="{FF2B5EF4-FFF2-40B4-BE49-F238E27FC236}">
-                <a16:creationId xmlns:a16="http://schemas.microsoft.com/office/drawing/2014/main" id="{23CF3D89-B2A6-495D-82A2-6031505825DD}"/>
-              </a:ext>
-            </a:extLst>
-          </p:cNvPr>
-          <p:cNvSpPr txBox="1"/>
-          <p:nvPr/>
-        </p:nvSpPr>
-        <p:spPr>
-          <a:xfrm>
-            <a:off x="7306235" y="2124635"/>
-            <a:ext cx="2196353" cy="923330"/>
-          </a:xfrm>
-          <a:prstGeom prst="rect">
-            <a:avLst/>
-          </a:prstGeom>
-          <a:noFill/>
-        </p:spPr>
-        <p:txBody>
-          <a:bodyPr wrap="square" rtlCol="0">
-            <a:spAutoFit/>
-          </a:bodyPr>
-          <a:lstStyle/>
-          <a:p>
-            <a:r>
-              <a:rPr lang="en-US" dirty="0"/>
-              <a:t>Do we have a third example with commentary</a:t>
-            </a:r>
-          </a:p>
-        </p:txBody>
-      </p:sp>
-      <p:sp>
-        <p:nvSpPr>
           <p:cNvPr id="7" name="TextBox 6">
             <a:extLst>
               <a:ext uri="{FF2B5EF4-FFF2-40B4-BE49-F238E27FC236}">
@@ -4693,6 +4663,55 @@
             <a:r>
               <a:rPr lang="en-US" dirty="0"/>
               <a:t>Venn diagram of world wide estimates vs reported cases</a:t>
+            </a:r>
+          </a:p>
+        </p:txBody>
+      </p:sp>
+      <p:sp>
+        <p:nvSpPr>
+          <p:cNvPr id="8" name="Rectangle 7">
+            <a:extLst>
+              <a:ext uri="{FF2B5EF4-FFF2-40B4-BE49-F238E27FC236}">
+                <a16:creationId xmlns:a16="http://schemas.microsoft.com/office/drawing/2014/main" id="{E2F73216-6C2D-4DF1-8209-DA37F8A4F676}"/>
+              </a:ext>
+            </a:extLst>
+          </p:cNvPr>
+          <p:cNvSpPr/>
+          <p:nvPr/>
+        </p:nvSpPr>
+        <p:spPr>
+          <a:xfrm>
+            <a:off x="7637930" y="1747187"/>
+            <a:ext cx="3842657" cy="1485900"/>
+          </a:xfrm>
+          <a:prstGeom prst="rect">
+            <a:avLst/>
+          </a:prstGeom>
+        </p:spPr>
+        <p:style>
+          <a:lnRef idx="2">
+            <a:schemeClr val="accent1">
+              <a:shade val="50000"/>
+            </a:schemeClr>
+          </a:lnRef>
+          <a:fillRef idx="1">
+            <a:schemeClr val="accent1"/>
+          </a:fillRef>
+          <a:effectRef idx="0">
+            <a:schemeClr val="accent1"/>
+          </a:effectRef>
+          <a:fontRef idx="minor">
+            <a:schemeClr val="lt1"/>
+          </a:fontRef>
+        </p:style>
+        <p:txBody>
+          <a:bodyPr rtlCol="0" anchor="ctr"/>
+          <a:lstStyle/>
+          <a:p>
+            <a:pPr algn="ctr"/>
+            <a:r>
+              <a:rPr lang="en-US" dirty="0"/>
+              <a:t>Country names were not identical between datasets. For GDP the .csv source file was edited to make country names match to merge data  </a:t>
             </a:r>
           </a:p>
         </p:txBody>

--- a/Human Trafficking.pptx
+++ b/Human Trafficking.pptx
@@ -267,7 +267,7 @@
           <a:p>
             <a:fld id="{009A9CA7-A48D-4D24-B9F1-DED4F0065A6C}" type="datetimeFigureOut">
               <a:rPr lang="en-US" smtClean="0"/>
-              <a:t>10/21/2020</a:t>
+              <a:t>10/24/2020</a:t>
             </a:fld>
             <a:endParaRPr lang="en-US"/>
           </a:p>
@@ -555,7 +555,7 @@
           <a:p>
             <a:fld id="{009A9CA7-A48D-4D24-B9F1-DED4F0065A6C}" type="datetimeFigureOut">
               <a:rPr lang="en-US" smtClean="0"/>
-              <a:t>10/21/2020</a:t>
+              <a:t>10/24/2020</a:t>
             </a:fld>
             <a:endParaRPr lang="en-US"/>
           </a:p>
@@ -753,7 +753,7 @@
           <a:p>
             <a:fld id="{009A9CA7-A48D-4D24-B9F1-DED4F0065A6C}" type="datetimeFigureOut">
               <a:rPr lang="en-US" smtClean="0"/>
-              <a:t>10/21/2020</a:t>
+              <a:t>10/24/2020</a:t>
             </a:fld>
             <a:endParaRPr lang="en-US"/>
           </a:p>
@@ -961,7 +961,7 @@
           <a:p>
             <a:fld id="{009A9CA7-A48D-4D24-B9F1-DED4F0065A6C}" type="datetimeFigureOut">
               <a:rPr lang="en-US" smtClean="0"/>
-              <a:t>10/21/2020</a:t>
+              <a:t>10/24/2020</a:t>
             </a:fld>
             <a:endParaRPr lang="en-US"/>
           </a:p>
@@ -1159,7 +1159,7 @@
           <a:p>
             <a:fld id="{009A9CA7-A48D-4D24-B9F1-DED4F0065A6C}" type="datetimeFigureOut">
               <a:rPr lang="en-US" smtClean="0"/>
-              <a:t>10/21/2020</a:t>
+              <a:t>10/24/2020</a:t>
             </a:fld>
             <a:endParaRPr lang="en-US"/>
           </a:p>
@@ -1434,7 +1434,7 @@
           <a:p>
             <a:fld id="{009A9CA7-A48D-4D24-B9F1-DED4F0065A6C}" type="datetimeFigureOut">
               <a:rPr lang="en-US" smtClean="0"/>
-              <a:t>10/21/2020</a:t>
+              <a:t>10/24/2020</a:t>
             </a:fld>
             <a:endParaRPr lang="en-US"/>
           </a:p>
@@ -1699,7 +1699,7 @@
           <a:p>
             <a:fld id="{009A9CA7-A48D-4D24-B9F1-DED4F0065A6C}" type="datetimeFigureOut">
               <a:rPr lang="en-US" smtClean="0"/>
-              <a:t>10/21/2020</a:t>
+              <a:t>10/24/2020</a:t>
             </a:fld>
             <a:endParaRPr lang="en-US"/>
           </a:p>
@@ -2111,7 +2111,7 @@
           <a:p>
             <a:fld id="{009A9CA7-A48D-4D24-B9F1-DED4F0065A6C}" type="datetimeFigureOut">
               <a:rPr lang="en-US" smtClean="0"/>
-              <a:t>10/21/2020</a:t>
+              <a:t>10/24/2020</a:t>
             </a:fld>
             <a:endParaRPr lang="en-US"/>
           </a:p>
@@ -2255,7 +2255,7 @@
           <a:p>
             <a:fld id="{009A9CA7-A48D-4D24-B9F1-DED4F0065A6C}" type="datetimeFigureOut">
               <a:rPr lang="en-US" smtClean="0"/>
-              <a:t>10/21/2020</a:t>
+              <a:t>10/24/2020</a:t>
             </a:fld>
             <a:endParaRPr lang="en-US"/>
           </a:p>
@@ -2402,7 +2402,7 @@
           <a:p>
             <a:fld id="{009A9CA7-A48D-4D24-B9F1-DED4F0065A6C}" type="datetimeFigureOut">
               <a:rPr lang="en-US" smtClean="0"/>
-              <a:t>10/21/2020</a:t>
+              <a:t>10/24/2020</a:t>
             </a:fld>
             <a:endParaRPr lang="en-US"/>
           </a:p>
@@ -2554,7 +2554,7 @@
           <a:p>
             <a:fld id="{009A9CA7-A48D-4D24-B9F1-DED4F0065A6C}" type="datetimeFigureOut">
               <a:rPr lang="en-US" smtClean="0"/>
-              <a:t>10/21/2020</a:t>
+              <a:t>10/24/2020</a:t>
             </a:fld>
             <a:endParaRPr lang="en-US"/>
           </a:p>
@@ -2865,7 +2865,7 @@
           <a:p>
             <a:fld id="{009A9CA7-A48D-4D24-B9F1-DED4F0065A6C}" type="datetimeFigureOut">
               <a:rPr lang="en-US" smtClean="0"/>
-              <a:t>10/21/2020</a:t>
+              <a:t>10/24/2020</a:t>
             </a:fld>
             <a:endParaRPr lang="en-US"/>
           </a:p>
@@ -3116,7 +3116,7 @@
           <a:p>
             <a:fld id="{009A9CA7-A48D-4D24-B9F1-DED4F0065A6C}" type="datetimeFigureOut">
               <a:rPr lang="en-US" smtClean="0"/>
-              <a:t>10/21/2020</a:t>
+              <a:t>10/24/2020</a:t>
             </a:fld>
             <a:endParaRPr lang="en-US"/>
           </a:p>
@@ -4132,8 +4132,13 @@
           <a:p>
             <a:r>
               <a:rPr lang="en-US" dirty="0"/>
-              <a:t>Questions you found interesting and what motivated you to answer them</a:t>
-            </a:r>
+              <a:t>Questions you found interesting and what motivated you to answer them - </a:t>
+            </a:r>
+            <a:r>
+              <a:rPr lang="en-US" dirty="0" err="1"/>
+              <a:t>Sumit</a:t>
+            </a:r>
+            <a:endParaRPr lang="en-US" dirty="0"/>
           </a:p>
         </p:txBody>
       </p:sp>
@@ -4385,7 +4390,7 @@
         <p:spPr>
           <a:xfrm>
             <a:off x="352587" y="5846544"/>
-            <a:ext cx="8047342" cy="369332"/>
+            <a:ext cx="10515600" cy="369332"/>
           </a:xfrm>
           <a:prstGeom prst="rect">
             <a:avLst/>
@@ -4406,7 +4411,17 @@
                 <a:effectLst/>
                 <a:latin typeface="Roboto"/>
               </a:rPr>
-              <a:t>Where and how you found the data you used to answer these questions</a:t>
+              <a:t>Where and how you found the data you used to answer these questions - </a:t>
+            </a:r>
+            <a:r>
+              <a:rPr lang="en-US" sz="1800" b="0" i="0" u="none" strike="noStrike" dirty="0" err="1">
+                <a:solidFill>
+                  <a:srgbClr val="000000"/>
+                </a:solidFill>
+                <a:effectLst/>
+                <a:latin typeface="Roboto"/>
+              </a:rPr>
+              <a:t>Saron</a:t>
             </a:r>
             <a:endParaRPr lang="en-US" dirty="0"/>
           </a:p>
@@ -4544,7 +4559,7 @@
                 <a:effectLst/>
                 <a:latin typeface="Roboto"/>
               </a:rPr>
-              <a:t> Notebook)</a:t>
+              <a:t> Notebook) -Mara</a:t>
             </a:r>
             <a:endParaRPr lang="en-US" b="0" dirty="0">
               <a:effectLst/>
@@ -4853,7 +4868,7 @@
                 <a:effectLst/>
                 <a:latin typeface="Roboto"/>
               </a:rPr>
-              <a:t> Notebook)</a:t>
+              <a:t> Notebook) - Liz</a:t>
             </a:r>
             <a:endParaRPr lang="en-US" b="0" dirty="0">
               <a:effectLst/>
@@ -5018,7 +5033,7 @@
                 <a:effectLst/>
                 <a:latin typeface="Roboto"/>
               </a:rPr>
-              <a:t>Your conclusions, which should include a numerical summary and visualizations of that summary</a:t>
+              <a:t>Your conclusions, which should include a numerical summary and visualizations of that summary - Lisa</a:t>
             </a:r>
             <a:endParaRPr lang="en-US" b="0" dirty="0">
               <a:effectLst/>
@@ -5259,7 +5274,7 @@
                 <a:effectLst/>
                 <a:latin typeface="Roboto"/>
               </a:rPr>
-              <a:t>Your conclusions, which should include a numerical summary and visualizations of that summary</a:t>
+              <a:t>Your conclusions, which should include a numerical summary and visualizations of that summary -Lisa_ </a:t>
             </a:r>
             <a:endParaRPr lang="en-US" b="0" dirty="0">
               <a:effectLst/>
@@ -5459,7 +5474,27 @@
                 <a:effectLst/>
                 <a:latin typeface="Roboto"/>
               </a:rPr>
-              <a:t>The implications of your findings: what do your findings mean? </a:t>
+              <a:t>The implications of your findings: what do your findings mean? - </a:t>
+            </a:r>
+            <a:r>
+              <a:rPr lang="en-US" sz="1800" b="0" i="0" u="none" strike="noStrike" dirty="0" err="1">
+                <a:solidFill>
+                  <a:srgbClr val="000000"/>
+                </a:solidFill>
+                <a:effectLst/>
+                <a:latin typeface="Roboto"/>
+              </a:rPr>
+              <a:t>SHirley</a:t>
+            </a:r>
+            <a:r>
+              <a:rPr lang="en-US" sz="1800" b="0" i="0" u="none" strike="noStrike" dirty="0">
+                <a:solidFill>
+                  <a:srgbClr val="000000"/>
+                </a:solidFill>
+                <a:effectLst/>
+                <a:latin typeface="Roboto"/>
+              </a:rPr>
+              <a:t> </a:t>
             </a:r>
             <a:endParaRPr lang="en-US" b="0" dirty="0">
               <a:effectLst/>
@@ -5560,6 +5595,80 @@
             <a:r>
               <a:rPr lang="en-US" dirty="0"/>
               <a:t>Website: humantraffickinghotline.org</a:t>
+            </a:r>
+          </a:p>
+        </p:txBody>
+      </p:sp>
+      <p:sp>
+        <p:nvSpPr>
+          <p:cNvPr id="3" name="Rectangle: Rounded Corners 2">
+            <a:extLst>
+              <a:ext uri="{FF2B5EF4-FFF2-40B4-BE49-F238E27FC236}">
+                <a16:creationId xmlns:a16="http://schemas.microsoft.com/office/drawing/2014/main" id="{DE3B272A-7883-4CEC-BCA0-B799A7A0ABF5}"/>
+              </a:ext>
+            </a:extLst>
+          </p:cNvPr>
+          <p:cNvSpPr/>
+          <p:nvPr/>
+        </p:nvSpPr>
+        <p:spPr>
+          <a:xfrm>
+            <a:off x="469231" y="1374330"/>
+            <a:ext cx="4572000" cy="2394285"/>
+          </a:xfrm>
+          <a:prstGeom prst="roundRect">
+            <a:avLst/>
+          </a:prstGeom>
+        </p:spPr>
+        <p:style>
+          <a:lnRef idx="2">
+            <a:schemeClr val="accent1">
+              <a:shade val="50000"/>
+            </a:schemeClr>
+          </a:lnRef>
+          <a:fillRef idx="1">
+            <a:schemeClr val="accent1"/>
+          </a:fillRef>
+          <a:effectRef idx="0">
+            <a:schemeClr val="accent1"/>
+          </a:effectRef>
+          <a:fontRef idx="minor">
+            <a:schemeClr val="lt1"/>
+          </a:fontRef>
+        </p:style>
+        <p:txBody>
+          <a:bodyPr rtlCol="0" anchor="ctr"/>
+          <a:lstStyle/>
+          <a:p>
+            <a:pPr algn="r"/>
+            <a:r>
+              <a:rPr lang="en-US" sz="1400" dirty="0"/>
+              <a:t>“Human trafficking is a heinous crime happening all around us. The victims—30% of which are children—are subject to forced </a:t>
+            </a:r>
+            <a:r>
+              <a:rPr lang="en-US" sz="1400" dirty="0" err="1"/>
+              <a:t>labour</a:t>
+            </a:r>
+            <a:r>
+              <a:rPr lang="en-US" sz="1400" dirty="0"/>
+              <a:t>, sexual exploitation and other forms of abuse. We must do more to bring criminals to justice, and help victims rebuild their lives. “</a:t>
+            </a:r>
+            <a:br>
+              <a:rPr lang="en-US" sz="1400" dirty="0"/>
+            </a:br>
+            <a:br>
+              <a:rPr lang="en-US" sz="1400" dirty="0"/>
+            </a:br>
+            <a:r>
+              <a:rPr lang="en-US" sz="1400" dirty="0"/>
+              <a:t>António Guterres</a:t>
+            </a:r>
+          </a:p>
+          <a:p>
+            <a:pPr algn="r"/>
+            <a:r>
+              <a:rPr lang="en-US" sz="1400" dirty="0"/>
+              <a:t> Secretary General of the United Nations</a:t>
             </a:r>
           </a:p>
         </p:txBody>
